--- a/archive/2022年度　統計学関連/07_ch7_正規分布とカイ二乗分布/統計学_ch7.pptx
+++ b/archive/2022年度　統計学関連/07_ch7_正規分布とカイ二乗分布/統計学_ch7.pptx
@@ -163,7 +163,7 @@
 <file path=ppt/charts/chart1.xml><?xml version="1.0" encoding="utf-8"?>
 <c:chartSpace xmlns:c="http://schemas.openxmlformats.org/drawingml/2006/chart" xmlns:a="http://schemas.openxmlformats.org/drawingml/2006/main" xmlns:r="http://schemas.openxmlformats.org/officeDocument/2006/relationships" xmlns:c16r2="http://schemas.microsoft.com/office/drawing/2015/06/chart">
   <c:date1904 val="0"/>
-  <c:lang val="ja-JP"/>
+  <c:lang val="en-US"/>
   <c:roundedCorners val="0"/>
   <mc:AlternateContent xmlns:mc="http://schemas.openxmlformats.org/markup-compatibility/2006">
     <mc:Choice xmlns:c14="http://schemas.microsoft.com/office/drawing/2007/8/2/chart" Requires="c14">
@@ -861,6 +861,16 @@
         <c:majorTickMark val="out"/>
         <c:minorTickMark val="none"/>
         <c:tickLblPos val="nextTo"/>
+        <c:txPr>
+          <a:bodyPr/>
+          <a:lstStyle/>
+          <a:p>
+            <a:pPr>
+              <a:defRPr lang="ja-JP"/>
+            </a:pPr>
+            <a:endParaRPr lang="en-JP"/>
+          </a:p>
+        </c:txPr>
         <c:crossAx val="82388096"/>
         <c:crosses val="autoZero"/>
         <c:crossBetween val="midCat"/>
@@ -884,6 +894,16 @@
         <c:majorTickMark val="out"/>
         <c:minorTickMark val="none"/>
         <c:tickLblPos val="nextTo"/>
+        <c:txPr>
+          <a:bodyPr/>
+          <a:lstStyle/>
+          <a:p>
+            <a:pPr>
+              <a:defRPr lang="ja-JP"/>
+            </a:pPr>
+            <a:endParaRPr lang="en-JP"/>
+          </a:p>
+        </c:txPr>
         <c:crossAx val="82376960"/>
         <c:crosses val="autoZero"/>
         <c:crossBetween val="midCat"/>
@@ -909,6 +929,16 @@
           </a:solidFill>
         </a:ln>
       </c:spPr>
+      <c:txPr>
+        <a:bodyPr/>
+        <a:lstStyle/>
+        <a:p>
+          <a:pPr>
+            <a:defRPr lang="ja-JP"/>
+          </a:pPr>
+          <a:endParaRPr lang="en-JP"/>
+        </a:p>
+      </c:txPr>
     </c:legend>
     <c:plotVisOnly val="1"/>
     <c:dispBlanksAs val="gap"/>
@@ -928,7 +958,7 @@
 <file path=ppt/charts/chart2.xml><?xml version="1.0" encoding="utf-8"?>
 <c:chartSpace xmlns:c="http://schemas.openxmlformats.org/drawingml/2006/chart" xmlns:a="http://schemas.openxmlformats.org/drawingml/2006/main" xmlns:r="http://schemas.openxmlformats.org/officeDocument/2006/relationships" xmlns:c16r2="http://schemas.microsoft.com/office/drawing/2015/06/chart">
   <c:date1904 val="0"/>
-  <c:lang val="ja-JP"/>
+  <c:lang val="en-US"/>
   <c:roundedCorners val="0"/>
   <mc:AlternateContent xmlns:mc="http://schemas.openxmlformats.org/markup-compatibility/2006">
     <mc:Choice xmlns:c14="http://schemas.microsoft.com/office/drawing/2007/8/2/chart" Requires="c14">
@@ -4254,6 +4284,16 @@
         <c:majorTickMark val="out"/>
         <c:minorTickMark val="none"/>
         <c:tickLblPos val="nextTo"/>
+        <c:txPr>
+          <a:bodyPr/>
+          <a:lstStyle/>
+          <a:p>
+            <a:pPr>
+              <a:defRPr lang="ja-JP"/>
+            </a:pPr>
+            <a:endParaRPr lang="en-JP"/>
+          </a:p>
+        </c:txPr>
         <c:crossAx val="106167680"/>
         <c:crosses val="autoZero"/>
         <c:crossBetween val="midCat"/>
@@ -4277,6 +4317,16 @@
         <c:majorTickMark val="out"/>
         <c:minorTickMark val="none"/>
         <c:tickLblPos val="nextTo"/>
+        <c:txPr>
+          <a:bodyPr/>
+          <a:lstStyle/>
+          <a:p>
+            <a:pPr>
+              <a:defRPr lang="ja-JP"/>
+            </a:pPr>
+            <a:endParaRPr lang="en-JP"/>
+          </a:p>
+        </c:txPr>
         <c:crossAx val="106166144"/>
         <c:crosses val="autoZero"/>
         <c:crossBetween val="midCat"/>
@@ -4302,6 +4352,16 @@
           </a:solidFill>
         </a:ln>
       </c:spPr>
+      <c:txPr>
+        <a:bodyPr/>
+        <a:lstStyle/>
+        <a:p>
+          <a:pPr>
+            <a:defRPr lang="ja-JP"/>
+          </a:pPr>
+          <a:endParaRPr lang="en-JP"/>
+        </a:p>
+      </c:txPr>
     </c:legend>
     <c:plotVisOnly val="1"/>
     <c:dispBlanksAs val="gap"/>
@@ -4400,7 +4460,7 @@
           <a:p>
             <a:fld id="{1895A64F-7672-4A38-B12D-41B8FA3C90DE}" type="datetimeFigureOut">
               <a:rPr kumimoji="1" lang="ja-JP" altLang="en-US" smtClean="0"/>
-              <a:t>2022/11/8</a:t>
+              <a:t>2023/9/8</a:t>
             </a:fld>
             <a:endParaRPr kumimoji="1" lang="ja-JP" altLang="en-US"/>
           </a:p>

--- a/archive/2022年度　統計学関連/07_ch7_正規分布とカイ二乗分布/統計学_ch7.pptx
+++ b/archive/2022年度　統計学関連/07_ch7_正規分布とカイ二乗分布/統計学_ch7.pptx
@@ -4757,6 +4757,90 @@
     </a:lvl9pPr>
   </p:notesStyle>
 </p:notesMaster>
+</file>
+
+<file path=ppt/notesSlides/notesSlide1.xml><?xml version="1.0" encoding="utf-8"?>
+<p:notes xmlns:a="http://schemas.openxmlformats.org/drawingml/2006/main" xmlns:r="http://schemas.openxmlformats.org/officeDocument/2006/relationships" xmlns:p="http://schemas.openxmlformats.org/presentationml/2006/main">
+  <p:cSld>
+    <p:spTree>
+      <p:nvGrpSpPr>
+        <p:cNvPr id="1" name=""/>
+        <p:cNvGrpSpPr/>
+        <p:nvPr/>
+      </p:nvGrpSpPr>
+      <p:grpSpPr>
+        <a:xfrm>
+          <a:off x="0" y="0"/>
+          <a:ext cx="0" cy="0"/>
+          <a:chOff x="0" y="0"/>
+          <a:chExt cx="0" cy="0"/>
+        </a:xfrm>
+      </p:grpSpPr>
+      <p:sp>
+        <p:nvSpPr>
+          <p:cNvPr id="2" name="Slide Image Placeholder 1"/>
+          <p:cNvSpPr>
+            <a:spLocks noGrp="1" noRot="1" noChangeAspect="1"/>
+          </p:cNvSpPr>
+          <p:nvPr>
+            <p:ph type="sldImg"/>
+          </p:nvPr>
+        </p:nvSpPr>
+        <p:spPr/>
+      </p:sp>
+      <p:sp>
+        <p:nvSpPr>
+          <p:cNvPr id="3" name="Notes Placeholder 2"/>
+          <p:cNvSpPr>
+            <a:spLocks noGrp="1"/>
+          </p:cNvSpPr>
+          <p:nvPr>
+            <p:ph type="body" idx="1"/>
+          </p:nvPr>
+        </p:nvSpPr>
+        <p:spPr/>
+        <p:txBody>
+          <a:bodyPr/>
+          <a:lstStyle/>
+          <a:p>
+            <a:endParaRPr lang="en-JP" dirty="0"/>
+          </a:p>
+        </p:txBody>
+      </p:sp>
+      <p:sp>
+        <p:nvSpPr>
+          <p:cNvPr id="4" name="Slide Number Placeholder 3"/>
+          <p:cNvSpPr>
+            <a:spLocks noGrp="1"/>
+          </p:cNvSpPr>
+          <p:nvPr>
+            <p:ph type="sldNum" sz="quarter" idx="5"/>
+          </p:nvPr>
+        </p:nvSpPr>
+        <p:spPr/>
+        <p:txBody>
+          <a:bodyPr/>
+          <a:lstStyle/>
+          <a:p>
+            <a:fld id="{F564EE56-D8FA-46A2-BDA0-45859955D89D}" type="slidenum">
+              <a:rPr kumimoji="1" lang="ja-JP" altLang="en-US" smtClean="0"/>
+              <a:t>21</a:t>
+            </a:fld>
+            <a:endParaRPr kumimoji="1" lang="ja-JP" altLang="en-US"/>
+          </a:p>
+        </p:txBody>
+      </p:sp>
+    </p:spTree>
+    <p:extLst>
+      <p:ext uri="{BB962C8B-B14F-4D97-AF65-F5344CB8AC3E}">
+        <p14:creationId xmlns:p14="http://schemas.microsoft.com/office/powerpoint/2010/main" val="2962995599"/>
+      </p:ext>
+    </p:extLst>
+  </p:cSld>
+  <p:clrMapOvr>
+    <a:masterClrMapping/>
+  </p:clrMapOvr>
+</p:notes>
 </file>
 
 <file path=ppt/slideLayouts/slideLayout1.xml><?xml version="1.0" encoding="utf-8"?>
@@ -8807,7 +8891,7 @@
         </p:nvSpPr>
         <p:spPr>
           <a:xfrm>
-            <a:off x="6427542" y="548680"/>
+            <a:off x="6499550" y="126800"/>
             <a:ext cx="2448272" cy="864096"/>
           </a:xfrm>
           <a:prstGeom prst="flowChartAlternateProcess">
@@ -9121,35 +9205,6 @@
               </a:rPr>
               <a:t>全体の面積は１</a:t>
             </a:r>
-          </a:p>
-        </p:txBody>
-      </p:sp>
-      <p:sp>
-        <p:nvSpPr>
-          <p:cNvPr id="3" name="スライド番号プレースホルダー 2">
-            <a:extLst>
-              <a:ext uri="{FF2B5EF4-FFF2-40B4-BE49-F238E27FC236}">
-                <a16:creationId xmlns:a16="http://schemas.microsoft.com/office/drawing/2014/main" id="{8F206FCB-725E-4CFE-98C4-4CE6DC95D495}"/>
-              </a:ext>
-            </a:extLst>
-          </p:cNvPr>
-          <p:cNvSpPr>
-            <a:spLocks noGrp="1"/>
-          </p:cNvSpPr>
-          <p:nvPr>
-            <p:ph type="sldNum" sz="quarter" idx="12"/>
-          </p:nvPr>
-        </p:nvSpPr>
-        <p:spPr/>
-        <p:txBody>
-          <a:bodyPr/>
-          <a:lstStyle/>
-          <a:p>
-            <a:fld id="{83E4BC44-1CD2-4666-A5F4-A286043144FC}" type="slidenum">
-              <a:rPr kumimoji="1" lang="ja-JP" altLang="en-US" smtClean="0"/>
-              <a:t>11</a:t>
-            </a:fld>
-            <a:endParaRPr kumimoji="1" lang="ja-JP" altLang="en-US"/>
           </a:p>
         </p:txBody>
       </p:sp>
@@ -9539,7 +9594,7 @@
         </p:nvSpPr>
         <p:spPr>
           <a:xfrm>
-            <a:off x="6427542" y="548680"/>
+            <a:off x="6565129" y="-171400"/>
             <a:ext cx="2448272" cy="864096"/>
           </a:xfrm>
           <a:prstGeom prst="flowChartAlternateProcess">
@@ -9662,7 +9717,7 @@
         <p:spPr>
           <a:xfrm>
             <a:off x="107504" y="5373216"/>
-            <a:ext cx="9036496" cy="360040"/>
+            <a:ext cx="8978541" cy="261291"/>
           </a:xfrm>
           <a:prstGeom prst="rect">
             <a:avLst/>
@@ -9776,35 +9831,6 @@
               <a:ea typeface="メイリオ" panose="020B0604030504040204" pitchFamily="50" charset="-128"/>
               <a:cs typeface="メイリオ" panose="020B0604030504040204" pitchFamily="50" charset="-128"/>
             </a:endParaRPr>
-          </a:p>
-        </p:txBody>
-      </p:sp>
-      <p:sp>
-        <p:nvSpPr>
-          <p:cNvPr id="3" name="スライド番号プレースホルダー 2">
-            <a:extLst>
-              <a:ext uri="{FF2B5EF4-FFF2-40B4-BE49-F238E27FC236}">
-                <a16:creationId xmlns:a16="http://schemas.microsoft.com/office/drawing/2014/main" id="{611DD44C-67F6-436F-AD96-C701C7AAD6B1}"/>
-              </a:ext>
-            </a:extLst>
-          </p:cNvPr>
-          <p:cNvSpPr>
-            <a:spLocks noGrp="1"/>
-          </p:cNvSpPr>
-          <p:nvPr>
-            <p:ph type="sldNum" sz="quarter" idx="12"/>
-          </p:nvPr>
-        </p:nvSpPr>
-        <p:spPr/>
-        <p:txBody>
-          <a:bodyPr/>
-          <a:lstStyle/>
-          <a:p>
-            <a:fld id="{83E4BC44-1CD2-4666-A5F4-A286043144FC}" type="slidenum">
-              <a:rPr kumimoji="1" lang="ja-JP" altLang="en-US" smtClean="0"/>
-              <a:t>12</a:t>
-            </a:fld>
-            <a:endParaRPr kumimoji="1" lang="ja-JP" altLang="en-US"/>
           </a:p>
         </p:txBody>
       </p:sp>
@@ -10016,7 +10042,7 @@
         </p:nvSpPr>
         <p:spPr>
           <a:xfrm>
-            <a:off x="6427542" y="548680"/>
+            <a:off x="6565129" y="-256343"/>
             <a:ext cx="2448272" cy="864096"/>
           </a:xfrm>
           <a:prstGeom prst="flowChartAlternateProcess">
@@ -10139,7 +10165,7 @@
         <p:spPr>
           <a:xfrm>
             <a:off x="107504" y="5373216"/>
-            <a:ext cx="9036496" cy="360040"/>
+            <a:ext cx="8928992" cy="288032"/>
           </a:xfrm>
           <a:prstGeom prst="rect">
             <a:avLst/>
@@ -10306,35 +10332,6 @@
           <a:lstStyle/>
           <a:p>
             <a:pPr algn="ctr"/>
-            <a:endParaRPr kumimoji="1" lang="ja-JP" altLang="en-US"/>
-          </a:p>
-        </p:txBody>
-      </p:sp>
-      <p:sp>
-        <p:nvSpPr>
-          <p:cNvPr id="3" name="スライド番号プレースホルダー 2">
-            <a:extLst>
-              <a:ext uri="{FF2B5EF4-FFF2-40B4-BE49-F238E27FC236}">
-                <a16:creationId xmlns:a16="http://schemas.microsoft.com/office/drawing/2014/main" id="{7E8D3D3E-8C59-4665-8F4A-CA68AB32BB22}"/>
-              </a:ext>
-            </a:extLst>
-          </p:cNvPr>
-          <p:cNvSpPr>
-            <a:spLocks noGrp="1"/>
-          </p:cNvSpPr>
-          <p:nvPr>
-            <p:ph type="sldNum" sz="quarter" idx="12"/>
-          </p:nvPr>
-        </p:nvSpPr>
-        <p:spPr/>
-        <p:txBody>
-          <a:bodyPr/>
-          <a:lstStyle/>
-          <a:p>
-            <a:fld id="{83E4BC44-1CD2-4666-A5F4-A286043144FC}" type="slidenum">
-              <a:rPr kumimoji="1" lang="ja-JP" altLang="en-US" smtClean="0"/>
-              <a:t>13</a:t>
-            </a:fld>
             <a:endParaRPr kumimoji="1" lang="ja-JP" altLang="en-US"/>
           </a:p>
         </p:txBody>
@@ -10670,7 +10667,7 @@
         <p:spPr>
           <a:xfrm>
             <a:off x="107504" y="5373216"/>
-            <a:ext cx="9036496" cy="360040"/>
+            <a:ext cx="9001000" cy="328923"/>
           </a:xfrm>
           <a:prstGeom prst="rect">
             <a:avLst/>
@@ -10849,55 +10846,18 @@
           <a:p>
             <a:pPr algn="ctr"/>
             <a:r>
-              <a:rPr lang="en-US" altLang="ja-JP" sz="3600" b="1" dirty="0" err="1">
-                <a:latin typeface="メイリオ" panose="020B0604030504040204" pitchFamily="50" charset="-128"/>
-                <a:ea typeface="メイリオ" panose="020B0604030504040204" pitchFamily="50" charset="-128"/>
-                <a:cs typeface="メイリオ" panose="020B0604030504040204" pitchFamily="50" charset="-128"/>
-              </a:rPr>
-              <a:t>Pr</a:t>
-            </a:r>
-            <a:r>
               <a:rPr lang="en-US" altLang="ja-JP" sz="3600" b="1" dirty="0">
                 <a:latin typeface="メイリオ" panose="020B0604030504040204" pitchFamily="50" charset="-128"/>
                 <a:ea typeface="メイリオ" panose="020B0604030504040204" pitchFamily="50" charset="-128"/>
                 <a:cs typeface="メイリオ" panose="020B0604030504040204" pitchFamily="50" charset="-128"/>
               </a:rPr>
-              <a:t>(Z&gt;2.00)=0.02275</a:t>
+              <a:t>Pr(Z&gt;2.00)=0.02275</a:t>
             </a:r>
             <a:endParaRPr kumimoji="1" lang="ja-JP" altLang="en-US" b="1" dirty="0">
               <a:latin typeface="メイリオ" panose="020B0604030504040204" pitchFamily="50" charset="-128"/>
               <a:ea typeface="メイリオ" panose="020B0604030504040204" pitchFamily="50" charset="-128"/>
               <a:cs typeface="メイリオ" panose="020B0604030504040204" pitchFamily="50" charset="-128"/>
             </a:endParaRPr>
-          </a:p>
-        </p:txBody>
-      </p:sp>
-      <p:sp>
-        <p:nvSpPr>
-          <p:cNvPr id="3" name="スライド番号プレースホルダー 2">
-            <a:extLst>
-              <a:ext uri="{FF2B5EF4-FFF2-40B4-BE49-F238E27FC236}">
-                <a16:creationId xmlns:a16="http://schemas.microsoft.com/office/drawing/2014/main" id="{B3FA4E40-BFE2-40C5-BE28-D8368B31E76F}"/>
-              </a:ext>
-            </a:extLst>
-          </p:cNvPr>
-          <p:cNvSpPr>
-            <a:spLocks noGrp="1"/>
-          </p:cNvSpPr>
-          <p:nvPr>
-            <p:ph type="sldNum" sz="quarter" idx="12"/>
-          </p:nvPr>
-        </p:nvSpPr>
-        <p:spPr/>
-        <p:txBody>
-          <a:bodyPr/>
-          <a:lstStyle/>
-          <a:p>
-            <a:fld id="{83E4BC44-1CD2-4666-A5F4-A286043144FC}" type="slidenum">
-              <a:rPr kumimoji="1" lang="ja-JP" altLang="en-US" smtClean="0"/>
-              <a:t>14</a:t>
-            </a:fld>
-            <a:endParaRPr kumimoji="1" lang="ja-JP" altLang="en-US"/>
           </a:p>
         </p:txBody>
       </p:sp>
@@ -11060,7 +11020,7 @@
         </p:nvSpPr>
         <p:spPr>
           <a:xfrm>
-            <a:off x="0" y="836712"/>
+            <a:off x="0" y="404664"/>
             <a:ext cx="9144000" cy="5688632"/>
           </a:xfrm>
         </p:spPr>
@@ -11198,7 +11158,7 @@
         </p:blipFill>
         <p:spPr bwMode="auto">
           <a:xfrm>
-            <a:off x="0" y="4221088"/>
+            <a:off x="0" y="3789040"/>
             <a:ext cx="5714173" cy="2636912"/>
           </a:xfrm>
           <a:prstGeom prst="rect">
@@ -11247,7 +11207,7 @@
         </p:nvSpPr>
         <p:spPr>
           <a:xfrm>
-            <a:off x="6084168" y="4653136"/>
+            <a:off x="6084168" y="4221088"/>
             <a:ext cx="1872208" cy="886408"/>
           </a:xfrm>
           <a:prstGeom prst="wedgeRoundRectCallout">
@@ -11774,35 +11734,6 @@
               </a:rPr>
               <a:t>左右対称</a:t>
             </a:r>
-          </a:p>
-        </p:txBody>
-      </p:sp>
-      <p:sp>
-        <p:nvSpPr>
-          <p:cNvPr id="4" name="スライド番号プレースホルダー 3">
-            <a:extLst>
-              <a:ext uri="{FF2B5EF4-FFF2-40B4-BE49-F238E27FC236}">
-                <a16:creationId xmlns:a16="http://schemas.microsoft.com/office/drawing/2014/main" id="{753C28CA-8279-4874-9401-E2C7A5A7B64F}"/>
-              </a:ext>
-            </a:extLst>
-          </p:cNvPr>
-          <p:cNvSpPr>
-            <a:spLocks noGrp="1"/>
-          </p:cNvSpPr>
-          <p:nvPr>
-            <p:ph type="sldNum" sz="quarter" idx="12"/>
-          </p:nvPr>
-        </p:nvSpPr>
-        <p:spPr/>
-        <p:txBody>
-          <a:bodyPr/>
-          <a:lstStyle/>
-          <a:p>
-            <a:fld id="{83E4BC44-1CD2-4666-A5F4-A286043144FC}" type="slidenum">
-              <a:rPr kumimoji="1" lang="ja-JP" altLang="en-US" smtClean="0"/>
-              <a:t>16</a:t>
-            </a:fld>
-            <a:endParaRPr kumimoji="1" lang="ja-JP" altLang="en-US"/>
           </a:p>
         </p:txBody>
       </p:sp>
@@ -12479,35 +12410,6 @@
           </a:p>
         </p:txBody>
       </p:sp>
-      <p:sp>
-        <p:nvSpPr>
-          <p:cNvPr id="4" name="スライド番号プレースホルダー 3">
-            <a:extLst>
-              <a:ext uri="{FF2B5EF4-FFF2-40B4-BE49-F238E27FC236}">
-                <a16:creationId xmlns:a16="http://schemas.microsoft.com/office/drawing/2014/main" id="{0BAFD52C-D10C-41AE-82DD-D774216798DB}"/>
-              </a:ext>
-            </a:extLst>
-          </p:cNvPr>
-          <p:cNvSpPr>
-            <a:spLocks noGrp="1"/>
-          </p:cNvSpPr>
-          <p:nvPr>
-            <p:ph type="sldNum" sz="quarter" idx="12"/>
-          </p:nvPr>
-        </p:nvSpPr>
-        <p:spPr/>
-        <p:txBody>
-          <a:bodyPr/>
-          <a:lstStyle/>
-          <a:p>
-            <a:fld id="{83E4BC44-1CD2-4666-A5F4-A286043144FC}" type="slidenum">
-              <a:rPr kumimoji="1" lang="ja-JP" altLang="en-US" smtClean="0"/>
-              <a:t>18</a:t>
-            </a:fld>
-            <a:endParaRPr kumimoji="1" lang="ja-JP" altLang="en-US"/>
-          </a:p>
-        </p:txBody>
-      </p:sp>
     </p:spTree>
     <p:extLst>
       <p:ext uri="{BB962C8B-B14F-4D97-AF65-F5344CB8AC3E}">
@@ -12569,8 +12471,8 @@
           </a:p>
         </p:txBody>
       </p:sp>
-      <mc:AlternateContent xmlns:mc="http://schemas.openxmlformats.org/markup-compatibility/2006" xmlns:a14="http://schemas.microsoft.com/office/drawing/2010/main">
-        <mc:Choice Requires="a14">
+      <mc:AlternateContent xmlns:mc="http://schemas.openxmlformats.org/markup-compatibility/2006">
+        <mc:Choice xmlns:a14="http://schemas.microsoft.com/office/drawing/2010/main" Requires="a14">
           <p:sp>
             <p:nvSpPr>
               <p:cNvPr id="3" name="コンテンツ プレースホルダー 2"/>
@@ -12583,7 +12485,7 @@
             </p:nvSpPr>
             <p:spPr>
               <a:xfrm>
-                <a:off x="0" y="836712"/>
+                <a:off x="0" y="188640"/>
                 <a:ext cx="9144000" cy="5688632"/>
               </a:xfrm>
             </p:spPr>
@@ -12686,7 +12588,7 @@
             </p:txBody>
           </p:sp>
         </mc:Choice>
-        <mc:Fallback xmlns="">
+        <mc:Fallback>
           <p:sp>
             <p:nvSpPr>
               <p:cNvPr id="3" name="コンテンツ プレースホルダー 2"/>
@@ -12699,13 +12601,13 @@
             </p:nvSpPr>
             <p:spPr>
               <a:xfrm>
-                <a:off x="0" y="836712"/>
+                <a:off x="0" y="188640"/>
                 <a:ext cx="9144000" cy="5688632"/>
               </a:xfrm>
-              <a:blipFill rotWithShape="1">
+              <a:blipFill>
                 <a:blip r:embed="rId2"/>
                 <a:stretch>
-                  <a:fillRect l="-1467"/>
+                  <a:fillRect l="-1667"/>
                 </a:stretch>
               </a:blipFill>
             </p:spPr>
@@ -12714,7 +12616,7 @@
               <a:lstStyle/>
               <a:p>
                 <a:r>
-                  <a:rPr lang="ja-JP" altLang="en-US">
+                  <a:rPr lang="en-JP">
                     <a:noFill/>
                   </a:rPr>
                   <a:t> </a:t>
@@ -12765,8 +12667,8 @@
           </a:extLst>
         </p:spPr>
       </p:pic>
-      <mc:AlternateContent xmlns:mc="http://schemas.openxmlformats.org/markup-compatibility/2006" xmlns:a14="http://schemas.microsoft.com/office/drawing/2010/main">
-        <mc:Choice Requires="a14">
+      <mc:AlternateContent xmlns:mc="http://schemas.openxmlformats.org/markup-compatibility/2006">
+        <mc:Choice xmlns:a14="http://schemas.microsoft.com/office/drawing/2010/main" Requires="a14">
           <p:sp>
             <p:nvSpPr>
               <p:cNvPr id="9" name="角丸四角形吹き出し 8"/>
@@ -12780,8 +12682,8 @@
               </a:xfrm>
               <a:prstGeom prst="wedgeRoundRectCallout">
                 <a:avLst>
-                  <a:gd name="adj1" fmla="val -93220"/>
-                  <a:gd name="adj2" fmla="val -44347"/>
+                  <a:gd name="adj1" fmla="val -46271"/>
+                  <a:gd name="adj2" fmla="val 86114"/>
                   <a:gd name="adj3" fmla="val 16667"/>
                 </a:avLst>
               </a:prstGeom>
@@ -13098,7 +13000,7 @@
             </p:txBody>
           </p:sp>
         </mc:Choice>
-        <mc:Fallback xmlns="">
+        <mc:Fallback>
           <p:sp>
             <p:nvSpPr>
               <p:cNvPr id="9" name="角丸四角形吹き出し 8"/>
@@ -13114,12 +13016,12 @@
               </a:xfrm>
               <a:prstGeom prst="wedgeRoundRectCallout">
                 <a:avLst>
-                  <a:gd name="adj1" fmla="val -93220"/>
-                  <a:gd name="adj2" fmla="val -44347"/>
+                  <a:gd name="adj1" fmla="val -46271"/>
+                  <a:gd name="adj2" fmla="val 86114"/>
                   <a:gd name="adj3" fmla="val 16667"/>
                 </a:avLst>
               </a:prstGeom>
-              <a:blipFill rotWithShape="1">
+              <a:blipFill>
                 <a:blip r:embed="rId4"/>
                 <a:stretch>
                   <a:fillRect/>
@@ -13131,7 +13033,7 @@
               <a:lstStyle/>
               <a:p>
                 <a:r>
-                  <a:rPr lang="ja-JP" altLang="en-US">
+                  <a:rPr lang="en-JP">
                     <a:noFill/>
                   </a:rPr>
                   <a:t> </a:t>
@@ -13141,35 +13043,6 @@
           </p:sp>
         </mc:Fallback>
       </mc:AlternateContent>
-      <p:sp>
-        <p:nvSpPr>
-          <p:cNvPr id="4" name="スライド番号プレースホルダー 3">
-            <a:extLst>
-              <a:ext uri="{FF2B5EF4-FFF2-40B4-BE49-F238E27FC236}">
-                <a16:creationId xmlns:a16="http://schemas.microsoft.com/office/drawing/2014/main" id="{16D348F0-1BA9-4145-88E8-13C38651F457}"/>
-              </a:ext>
-            </a:extLst>
-          </p:cNvPr>
-          <p:cNvSpPr>
-            <a:spLocks noGrp="1"/>
-          </p:cNvSpPr>
-          <p:nvPr>
-            <p:ph type="sldNum" sz="quarter" idx="12"/>
-          </p:nvPr>
-        </p:nvSpPr>
-        <p:spPr/>
-        <p:txBody>
-          <a:bodyPr/>
-          <a:lstStyle/>
-          <a:p>
-            <a:fld id="{83E4BC44-1CD2-4666-A5F4-A286043144FC}" type="slidenum">
-              <a:rPr kumimoji="1" lang="ja-JP" altLang="en-US" smtClean="0"/>
-              <a:t>19</a:t>
-            </a:fld>
-            <a:endParaRPr kumimoji="1" lang="ja-JP" altLang="en-US"/>
-          </a:p>
-        </p:txBody>
-      </p:sp>
     </p:spTree>
     <p:extLst>
       <p:ext uri="{BB962C8B-B14F-4D97-AF65-F5344CB8AC3E}">
@@ -14144,7 +14017,7 @@
                 <a:ext cx="9144000" cy="5688632"/>
               </a:xfrm>
               <a:blipFill rotWithShape="1">
-                <a:blip r:embed="rId2"/>
+                <a:blip r:embed="rId3"/>
                 <a:stretch>
                   <a:fillRect l="-1467" t="-1072"/>
                 </a:stretch>
@@ -18566,35 +18439,6 @@
           </a:p>
         </p:txBody>
       </p:sp>
-      <p:sp>
-        <p:nvSpPr>
-          <p:cNvPr id="3" name="スライド番号プレースホルダー 2">
-            <a:extLst>
-              <a:ext uri="{FF2B5EF4-FFF2-40B4-BE49-F238E27FC236}">
-                <a16:creationId xmlns:a16="http://schemas.microsoft.com/office/drawing/2014/main" id="{BF3E2140-D999-4EFD-A878-8D7FD0D8A360}"/>
-              </a:ext>
-            </a:extLst>
-          </p:cNvPr>
-          <p:cNvSpPr>
-            <a:spLocks noGrp="1"/>
-          </p:cNvSpPr>
-          <p:nvPr>
-            <p:ph type="sldNum" sz="quarter" idx="12"/>
-          </p:nvPr>
-        </p:nvSpPr>
-        <p:spPr/>
-        <p:txBody>
-          <a:bodyPr/>
-          <a:lstStyle/>
-          <a:p>
-            <a:fld id="{83E4BC44-1CD2-4666-A5F4-A286043144FC}" type="slidenum">
-              <a:rPr kumimoji="1" lang="ja-JP" altLang="en-US" smtClean="0"/>
-              <a:t>32</a:t>
-            </a:fld>
-            <a:endParaRPr kumimoji="1" lang="ja-JP" altLang="en-US"/>
-          </a:p>
-        </p:txBody>
-      </p:sp>
     </p:spTree>
     <p:extLst>
       <p:ext uri="{BB962C8B-B14F-4D97-AF65-F5344CB8AC3E}">
@@ -18759,35 +18603,6 @@
               <a:ea typeface="メイリオ" panose="020B0604030504040204" pitchFamily="50" charset="-128"/>
               <a:cs typeface="メイリオ" panose="020B0604030504040204" pitchFamily="50" charset="-128"/>
             </a:endParaRPr>
-          </a:p>
-        </p:txBody>
-      </p:sp>
-      <p:sp>
-        <p:nvSpPr>
-          <p:cNvPr id="3" name="スライド番号プレースホルダー 2">
-            <a:extLst>
-              <a:ext uri="{FF2B5EF4-FFF2-40B4-BE49-F238E27FC236}">
-                <a16:creationId xmlns:a16="http://schemas.microsoft.com/office/drawing/2014/main" id="{721C06EA-E53A-4F33-B044-46D42EC7D65F}"/>
-              </a:ext>
-            </a:extLst>
-          </p:cNvPr>
-          <p:cNvSpPr>
-            <a:spLocks noGrp="1"/>
-          </p:cNvSpPr>
-          <p:nvPr>
-            <p:ph type="sldNum" sz="quarter" idx="12"/>
-          </p:nvPr>
-        </p:nvSpPr>
-        <p:spPr/>
-        <p:txBody>
-          <a:bodyPr/>
-          <a:lstStyle/>
-          <a:p>
-            <a:fld id="{83E4BC44-1CD2-4666-A5F4-A286043144FC}" type="slidenum">
-              <a:rPr kumimoji="1" lang="ja-JP" altLang="en-US" smtClean="0"/>
-              <a:t>33</a:t>
-            </a:fld>
-            <a:endParaRPr kumimoji="1" lang="ja-JP" altLang="en-US"/>
           </a:p>
         </p:txBody>
       </p:sp>
@@ -19438,7 +19253,7 @@
         </p:nvSpPr>
         <p:spPr>
           <a:xfrm>
-            <a:off x="467544" y="4509120"/>
+            <a:off x="467544" y="4221088"/>
             <a:ext cx="2952328" cy="1019268"/>
           </a:xfrm>
           <a:prstGeom prst="wedgeRoundRectCallout">
@@ -19517,13 +19332,13 @@
         </p:nvSpPr>
         <p:spPr>
           <a:xfrm>
-            <a:off x="3131840" y="5654391"/>
+            <a:off x="3131840" y="5445224"/>
             <a:ext cx="2952328" cy="1019268"/>
           </a:xfrm>
           <a:prstGeom prst="wedgeRoundRectCallout">
             <a:avLst>
-              <a:gd name="adj1" fmla="val -14510"/>
-              <a:gd name="adj2" fmla="val -233432"/>
+              <a:gd name="adj1" fmla="val -6876"/>
+              <a:gd name="adj2" fmla="val -208161"/>
               <a:gd name="adj3" fmla="val 16667"/>
             </a:avLst>
           </a:prstGeom>
@@ -19596,7 +19411,7 @@
         </p:nvSpPr>
         <p:spPr>
           <a:xfrm>
-            <a:off x="5994506" y="4509120"/>
+            <a:off x="5994506" y="4221088"/>
             <a:ext cx="2952328" cy="1019268"/>
           </a:xfrm>
           <a:prstGeom prst="wedgeRoundRectCallout">
@@ -19664,35 +19479,6 @@
               <a:ea typeface="メイリオ" panose="020B0604030504040204" pitchFamily="50" charset="-128"/>
               <a:cs typeface="メイリオ" panose="020B0604030504040204" pitchFamily="50" charset="-128"/>
             </a:endParaRPr>
-          </a:p>
-        </p:txBody>
-      </p:sp>
-      <p:sp>
-        <p:nvSpPr>
-          <p:cNvPr id="4" name="スライド番号プレースホルダー 3">
-            <a:extLst>
-              <a:ext uri="{FF2B5EF4-FFF2-40B4-BE49-F238E27FC236}">
-                <a16:creationId xmlns:a16="http://schemas.microsoft.com/office/drawing/2014/main" id="{EA01E111-2D77-4EFE-9500-BC7BFCEC9BA5}"/>
-              </a:ext>
-            </a:extLst>
-          </p:cNvPr>
-          <p:cNvSpPr>
-            <a:spLocks noGrp="1"/>
-          </p:cNvSpPr>
-          <p:nvPr>
-            <p:ph type="sldNum" sz="quarter" idx="12"/>
-          </p:nvPr>
-        </p:nvSpPr>
-        <p:spPr/>
-        <p:txBody>
-          <a:bodyPr/>
-          <a:lstStyle/>
-          <a:p>
-            <a:fld id="{83E4BC44-1CD2-4666-A5F4-A286043144FC}" type="slidenum">
-              <a:rPr kumimoji="1" lang="ja-JP" altLang="en-US" smtClean="0"/>
-              <a:t>34</a:t>
-            </a:fld>
-            <a:endParaRPr kumimoji="1" lang="ja-JP" altLang="en-US"/>
           </a:p>
         </p:txBody>
       </p:sp>
